--- a/ppt/05-16.pptx
+++ b/ppt/05-16.pptx
@@ -3742,6 +3742,91 @@
           </a:p>
         </p:txBody>
       </p:sp>
+      <p:pic>
+        <p:nvPicPr>
+          <p:cNvPr id="4" name="그림 3">
+            <a:extLst>
+              <a:ext uri="{FF2B5EF4-FFF2-40B4-BE49-F238E27FC236}">
+                <a16:creationId xmlns:a16="http://schemas.microsoft.com/office/drawing/2014/main" id="{D54FEDE2-C418-FF5E-20A6-6BA64B9A3259}"/>
+              </a:ext>
+            </a:extLst>
+          </p:cNvPr>
+          <p:cNvPicPr>
+            <a:picLocks noChangeAspect="1"/>
+          </p:cNvPicPr>
+          <p:nvPr/>
+        </p:nvPicPr>
+        <p:blipFill>
+          <a:blip r:embed="rId7"/>
+          <a:stretch>
+            <a:fillRect/>
+          </a:stretch>
+        </p:blipFill>
+        <p:spPr>
+          <a:xfrm>
+            <a:off x="7869913" y="4298546"/>
+            <a:ext cx="4022284" cy="1566370"/>
+          </a:xfrm>
+          <a:prstGeom prst="rect">
+            <a:avLst/>
+          </a:prstGeom>
+        </p:spPr>
+      </p:pic>
+      <p:sp>
+        <p:nvSpPr>
+          <p:cNvPr id="16" name="TextBox 15">
+            <a:extLst>
+              <a:ext uri="{FF2B5EF4-FFF2-40B4-BE49-F238E27FC236}">
+                <a16:creationId xmlns:a16="http://schemas.microsoft.com/office/drawing/2014/main" id="{3C791B88-A259-395C-6004-BD7E2CA5B0AE}"/>
+              </a:ext>
+            </a:extLst>
+          </p:cNvPr>
+          <p:cNvSpPr txBox="1"/>
+          <p:nvPr/>
+        </p:nvSpPr>
+        <p:spPr>
+          <a:xfrm>
+            <a:off x="8153000" y="5974267"/>
+            <a:ext cx="3183885" cy="523220"/>
+          </a:xfrm>
+          <a:prstGeom prst="rect">
+            <a:avLst/>
+          </a:prstGeom>
+          <a:noFill/>
+        </p:spPr>
+        <p:txBody>
+          <a:bodyPr wrap="none" rtlCol="0">
+            <a:spAutoFit/>
+          </a:bodyPr>
+          <a:lstStyle/>
+          <a:p>
+            <a:r>
+              <a:rPr lang="ko-KR" altLang="en-US" sz="1400" dirty="0"/>
+              <a:t>아이콘</a:t>
+            </a:r>
+            <a:endParaRPr lang="en-US" altLang="ko-KR" sz="1400" dirty="0"/>
+          </a:p>
+          <a:p>
+            <a:r>
+              <a:rPr lang="en-US" altLang="ko-KR" sz="1400" dirty="0" err="1"/>
+              <a:t>common_mapicons</a:t>
+            </a:r>
+            <a:r>
+              <a:rPr lang="en-US" altLang="ko-KR" sz="1400" dirty="0"/>
+              <a:t> </a:t>
+            </a:r>
+            <a:r>
+              <a:rPr lang="ko-KR" altLang="en-US" sz="1400" dirty="0"/>
+              <a:t>파일에 있습니다</a:t>
+            </a:r>
+            <a:r>
+              <a:rPr lang="en-US" altLang="ko-KR" sz="1400" dirty="0"/>
+              <a:t>.</a:t>
+            </a:r>
+            <a:endParaRPr lang="ko-KR" altLang="en-US" sz="1400" dirty="0"/>
+          </a:p>
+        </p:txBody>
+      </p:sp>
     </p:spTree>
     <p:extLst>
       <p:ext uri="{BB962C8B-B14F-4D97-AF65-F5344CB8AC3E}">
